--- a/ppt 16-9/1103.人生的改变.pptx
+++ b/ppt 16-9/1103.人生的改变.pptx
@@ -129,7 +129,7 @@
           <p:cNvPr id="2" name="标题 1">
             <a:extLst>
               <a:ext uri="{FF2B5EF4-FFF2-40B4-BE49-F238E27FC236}">
-                <a16:creationId xmlns:a16="http://schemas.microsoft.com/office/drawing/2014/main" id="{4A57D983-9502-B328-877A-387D149C1DA2}"/>
+                <a16:creationId xmlns:a16="http://schemas.microsoft.com/office/drawing/2014/main" id="{5F430045-DE07-D988-B22E-889FDFFC9BDF}"/>
               </a:ext>
             </a:extLst>
           </p:cNvPr>
@@ -166,7 +166,7 @@
           <p:cNvPr id="3" name="副标题 2">
             <a:extLst>
               <a:ext uri="{FF2B5EF4-FFF2-40B4-BE49-F238E27FC236}">
-                <a16:creationId xmlns:a16="http://schemas.microsoft.com/office/drawing/2014/main" id="{907C1D98-6A03-B952-91A2-9B09400EB0DA}"/>
+                <a16:creationId xmlns:a16="http://schemas.microsoft.com/office/drawing/2014/main" id="{949A4762-E757-813D-CFB9-D51E7B8FC4EF}"/>
               </a:ext>
             </a:extLst>
           </p:cNvPr>
@@ -236,7 +236,7 @@
           <p:cNvPr id="4" name="日期占位符 3">
             <a:extLst>
               <a:ext uri="{FF2B5EF4-FFF2-40B4-BE49-F238E27FC236}">
-                <a16:creationId xmlns:a16="http://schemas.microsoft.com/office/drawing/2014/main" id="{55DD8753-53DC-6EFA-0FC3-F5F89472A613}"/>
+                <a16:creationId xmlns:a16="http://schemas.microsoft.com/office/drawing/2014/main" id="{6EAAF5FD-7F33-1EDE-122E-6D002529B1D2}"/>
               </a:ext>
             </a:extLst>
           </p:cNvPr>
@@ -252,7 +252,7 @@
           <a:bodyPr/>
           <a:lstStyle/>
           <a:p>
-            <a:fld id="{7AD8BAA4-7A19-4116-A047-132DD50AE6E6}" type="datetimeFigureOut">
+            <a:fld id="{F989F98E-760C-4120-8B4B-AD149112668F}" type="datetimeFigureOut">
               <a:rPr lang="zh-CN" altLang="en-US" smtClean="0"/>
               <a:t>2024/3/10</a:t>
             </a:fld>
@@ -265,7 +265,7 @@
           <p:cNvPr id="5" name="页脚占位符 4">
             <a:extLst>
               <a:ext uri="{FF2B5EF4-FFF2-40B4-BE49-F238E27FC236}">
-                <a16:creationId xmlns:a16="http://schemas.microsoft.com/office/drawing/2014/main" id="{3E6DA765-6DA3-C26C-531D-C61EDD371E96}"/>
+                <a16:creationId xmlns:a16="http://schemas.microsoft.com/office/drawing/2014/main" id="{94AE6282-B727-4066-1AA6-30145A5A506B}"/>
               </a:ext>
             </a:extLst>
           </p:cNvPr>
@@ -290,7 +290,7 @@
           <p:cNvPr id="6" name="灯片编号占位符 5">
             <a:extLst>
               <a:ext uri="{FF2B5EF4-FFF2-40B4-BE49-F238E27FC236}">
-                <a16:creationId xmlns:a16="http://schemas.microsoft.com/office/drawing/2014/main" id="{4C16A528-F08A-14B6-3190-95B4EE1DF454}"/>
+                <a16:creationId xmlns:a16="http://schemas.microsoft.com/office/drawing/2014/main" id="{2BEBD91D-B385-375D-7F2F-63D5BB6A4769}"/>
               </a:ext>
             </a:extLst>
           </p:cNvPr>
@@ -306,7 +306,7 @@
           <a:bodyPr/>
           <a:lstStyle/>
           <a:p>
-            <a:fld id="{46AA0AAF-93FB-44FB-BF0C-56A9375B594B}" type="slidenum">
+            <a:fld id="{DAE8D371-9A46-49D2-B958-81EDCE2730C4}" type="slidenum">
               <a:rPr lang="zh-CN" altLang="en-US" smtClean="0"/>
               <a:t>‹#›</a:t>
             </a:fld>
@@ -317,7 +317,7 @@
     </p:spTree>
     <p:extLst>
       <p:ext uri="{BB962C8B-B14F-4D97-AF65-F5344CB8AC3E}">
-        <p14:creationId xmlns:p14="http://schemas.microsoft.com/office/powerpoint/2010/main" val="2165909098"/>
+        <p14:creationId xmlns:p14="http://schemas.microsoft.com/office/powerpoint/2010/main" val="416259727"/>
       </p:ext>
     </p:extLst>
   </p:cSld>
@@ -349,7 +349,7 @@
           <p:cNvPr id="2" name="标题 1">
             <a:extLst>
               <a:ext uri="{FF2B5EF4-FFF2-40B4-BE49-F238E27FC236}">
-                <a16:creationId xmlns:a16="http://schemas.microsoft.com/office/drawing/2014/main" id="{045CAAB9-7FB7-F6AE-1166-A7AF3C9EE6BB}"/>
+                <a16:creationId xmlns:a16="http://schemas.microsoft.com/office/drawing/2014/main" id="{57728963-530A-292E-A7E6-AB46823AAB98}"/>
               </a:ext>
             </a:extLst>
           </p:cNvPr>
@@ -377,7 +377,7 @@
           <p:cNvPr id="3" name="竖排文字占位符 2">
             <a:extLst>
               <a:ext uri="{FF2B5EF4-FFF2-40B4-BE49-F238E27FC236}">
-                <a16:creationId xmlns:a16="http://schemas.microsoft.com/office/drawing/2014/main" id="{599E5DE1-C7D7-C16F-60F8-1C9ED570BA32}"/>
+                <a16:creationId xmlns:a16="http://schemas.microsoft.com/office/drawing/2014/main" id="{F6E4B06F-05C3-0A8D-2D06-19BA3C8C60E9}"/>
               </a:ext>
             </a:extLst>
           </p:cNvPr>
@@ -434,7 +434,7 @@
           <p:cNvPr id="4" name="日期占位符 3">
             <a:extLst>
               <a:ext uri="{FF2B5EF4-FFF2-40B4-BE49-F238E27FC236}">
-                <a16:creationId xmlns:a16="http://schemas.microsoft.com/office/drawing/2014/main" id="{D180719A-42F9-FAD7-AFA3-E8F22DC368D2}"/>
+                <a16:creationId xmlns:a16="http://schemas.microsoft.com/office/drawing/2014/main" id="{CC11C5C9-FB9F-5521-68B4-14DE2BCDAF74}"/>
               </a:ext>
             </a:extLst>
           </p:cNvPr>
@@ -450,7 +450,7 @@
           <a:bodyPr/>
           <a:lstStyle/>
           <a:p>
-            <a:fld id="{7AD8BAA4-7A19-4116-A047-132DD50AE6E6}" type="datetimeFigureOut">
+            <a:fld id="{F989F98E-760C-4120-8B4B-AD149112668F}" type="datetimeFigureOut">
               <a:rPr lang="zh-CN" altLang="en-US" smtClean="0"/>
               <a:t>2024/3/10</a:t>
             </a:fld>
@@ -463,7 +463,7 @@
           <p:cNvPr id="5" name="页脚占位符 4">
             <a:extLst>
               <a:ext uri="{FF2B5EF4-FFF2-40B4-BE49-F238E27FC236}">
-                <a16:creationId xmlns:a16="http://schemas.microsoft.com/office/drawing/2014/main" id="{C29BE752-74A5-4DF6-E872-041BCD102326}"/>
+                <a16:creationId xmlns:a16="http://schemas.microsoft.com/office/drawing/2014/main" id="{E9FDEC40-FE95-772B-FED7-904B4E480B5A}"/>
               </a:ext>
             </a:extLst>
           </p:cNvPr>
@@ -488,7 +488,7 @@
           <p:cNvPr id="6" name="灯片编号占位符 5">
             <a:extLst>
               <a:ext uri="{FF2B5EF4-FFF2-40B4-BE49-F238E27FC236}">
-                <a16:creationId xmlns:a16="http://schemas.microsoft.com/office/drawing/2014/main" id="{45450A07-C9B3-70D4-C8D5-40773D8B2A7E}"/>
+                <a16:creationId xmlns:a16="http://schemas.microsoft.com/office/drawing/2014/main" id="{CE78D67C-FE4D-AB0D-2CE6-507C86B33628}"/>
               </a:ext>
             </a:extLst>
           </p:cNvPr>
@@ -504,7 +504,7 @@
           <a:bodyPr/>
           <a:lstStyle/>
           <a:p>
-            <a:fld id="{46AA0AAF-93FB-44FB-BF0C-56A9375B594B}" type="slidenum">
+            <a:fld id="{DAE8D371-9A46-49D2-B958-81EDCE2730C4}" type="slidenum">
               <a:rPr lang="zh-CN" altLang="en-US" smtClean="0"/>
               <a:t>‹#›</a:t>
             </a:fld>
@@ -515,7 +515,7 @@
     </p:spTree>
     <p:extLst>
       <p:ext uri="{BB962C8B-B14F-4D97-AF65-F5344CB8AC3E}">
-        <p14:creationId xmlns:p14="http://schemas.microsoft.com/office/powerpoint/2010/main" val="974530984"/>
+        <p14:creationId xmlns:p14="http://schemas.microsoft.com/office/powerpoint/2010/main" val="2501494570"/>
       </p:ext>
     </p:extLst>
   </p:cSld>
@@ -547,7 +547,7 @@
           <p:cNvPr id="2" name="竖排标题 1">
             <a:extLst>
               <a:ext uri="{FF2B5EF4-FFF2-40B4-BE49-F238E27FC236}">
-                <a16:creationId xmlns:a16="http://schemas.microsoft.com/office/drawing/2014/main" id="{A3ABFDD3-3238-5CC8-57EE-62EF150AEF3A}"/>
+                <a16:creationId xmlns:a16="http://schemas.microsoft.com/office/drawing/2014/main" id="{234D9E70-839F-1ED2-3E03-5C0AC5BA11E8}"/>
               </a:ext>
             </a:extLst>
           </p:cNvPr>
@@ -580,7 +580,7 @@
           <p:cNvPr id="3" name="竖排文字占位符 2">
             <a:extLst>
               <a:ext uri="{FF2B5EF4-FFF2-40B4-BE49-F238E27FC236}">
-                <a16:creationId xmlns:a16="http://schemas.microsoft.com/office/drawing/2014/main" id="{79750A33-0151-170E-FDB5-0A2BB1EB9303}"/>
+                <a16:creationId xmlns:a16="http://schemas.microsoft.com/office/drawing/2014/main" id="{324872DC-F338-849A-6ACD-4A4682ACA386}"/>
               </a:ext>
             </a:extLst>
           </p:cNvPr>
@@ -642,7 +642,7 @@
           <p:cNvPr id="4" name="日期占位符 3">
             <a:extLst>
               <a:ext uri="{FF2B5EF4-FFF2-40B4-BE49-F238E27FC236}">
-                <a16:creationId xmlns:a16="http://schemas.microsoft.com/office/drawing/2014/main" id="{8155329B-E48D-0D82-556F-B8AEED76C7B6}"/>
+                <a16:creationId xmlns:a16="http://schemas.microsoft.com/office/drawing/2014/main" id="{32515049-8A46-1D6C-9FCC-3A28B7B38606}"/>
               </a:ext>
             </a:extLst>
           </p:cNvPr>
@@ -658,7 +658,7 @@
           <a:bodyPr/>
           <a:lstStyle/>
           <a:p>
-            <a:fld id="{7AD8BAA4-7A19-4116-A047-132DD50AE6E6}" type="datetimeFigureOut">
+            <a:fld id="{F989F98E-760C-4120-8B4B-AD149112668F}" type="datetimeFigureOut">
               <a:rPr lang="zh-CN" altLang="en-US" smtClean="0"/>
               <a:t>2024/3/10</a:t>
             </a:fld>
@@ -671,7 +671,7 @@
           <p:cNvPr id="5" name="页脚占位符 4">
             <a:extLst>
               <a:ext uri="{FF2B5EF4-FFF2-40B4-BE49-F238E27FC236}">
-                <a16:creationId xmlns:a16="http://schemas.microsoft.com/office/drawing/2014/main" id="{DFF7633F-CF4F-F102-2EC7-E1C0120E8817}"/>
+                <a16:creationId xmlns:a16="http://schemas.microsoft.com/office/drawing/2014/main" id="{F03F5040-0DCD-A8EA-84FC-D5FC757E6730}"/>
               </a:ext>
             </a:extLst>
           </p:cNvPr>
@@ -696,7 +696,7 @@
           <p:cNvPr id="6" name="灯片编号占位符 5">
             <a:extLst>
               <a:ext uri="{FF2B5EF4-FFF2-40B4-BE49-F238E27FC236}">
-                <a16:creationId xmlns:a16="http://schemas.microsoft.com/office/drawing/2014/main" id="{0FEB39F5-CC10-71C4-9974-F4165964A5D9}"/>
+                <a16:creationId xmlns:a16="http://schemas.microsoft.com/office/drawing/2014/main" id="{BF6B8010-96F0-DF77-7246-FD0F81CC47C9}"/>
               </a:ext>
             </a:extLst>
           </p:cNvPr>
@@ -712,7 +712,7 @@
           <a:bodyPr/>
           <a:lstStyle/>
           <a:p>
-            <a:fld id="{46AA0AAF-93FB-44FB-BF0C-56A9375B594B}" type="slidenum">
+            <a:fld id="{DAE8D371-9A46-49D2-B958-81EDCE2730C4}" type="slidenum">
               <a:rPr lang="zh-CN" altLang="en-US" smtClean="0"/>
               <a:t>‹#›</a:t>
             </a:fld>
@@ -723,7 +723,7 @@
     </p:spTree>
     <p:extLst>
       <p:ext uri="{BB962C8B-B14F-4D97-AF65-F5344CB8AC3E}">
-        <p14:creationId xmlns:p14="http://schemas.microsoft.com/office/powerpoint/2010/main" val="2773016204"/>
+        <p14:creationId xmlns:p14="http://schemas.microsoft.com/office/powerpoint/2010/main" val="1048284044"/>
       </p:ext>
     </p:extLst>
   </p:cSld>
@@ -755,7 +755,7 @@
           <p:cNvPr id="2" name="标题 1">
             <a:extLst>
               <a:ext uri="{FF2B5EF4-FFF2-40B4-BE49-F238E27FC236}">
-                <a16:creationId xmlns:a16="http://schemas.microsoft.com/office/drawing/2014/main" id="{CBA264A5-8D4F-F07B-BF8C-738A1A7D3B0D}"/>
+                <a16:creationId xmlns:a16="http://schemas.microsoft.com/office/drawing/2014/main" id="{337915B9-D1C4-956F-BFCE-902D105F3466}"/>
               </a:ext>
             </a:extLst>
           </p:cNvPr>
@@ -783,7 +783,7 @@
           <p:cNvPr id="3" name="内容占位符 2">
             <a:extLst>
               <a:ext uri="{FF2B5EF4-FFF2-40B4-BE49-F238E27FC236}">
-                <a16:creationId xmlns:a16="http://schemas.microsoft.com/office/drawing/2014/main" id="{EFC7A389-738E-549F-96CD-F5742EC2022B}"/>
+                <a16:creationId xmlns:a16="http://schemas.microsoft.com/office/drawing/2014/main" id="{02BB5CF9-F27B-1FAE-D937-37B7DA2A8003}"/>
               </a:ext>
             </a:extLst>
           </p:cNvPr>
@@ -840,7 +840,7 @@
           <p:cNvPr id="4" name="日期占位符 3">
             <a:extLst>
               <a:ext uri="{FF2B5EF4-FFF2-40B4-BE49-F238E27FC236}">
-                <a16:creationId xmlns:a16="http://schemas.microsoft.com/office/drawing/2014/main" id="{B62078D7-A024-FF58-EF4B-22FC3F9F349F}"/>
+                <a16:creationId xmlns:a16="http://schemas.microsoft.com/office/drawing/2014/main" id="{9EDDD1FD-DBFF-901F-06A3-07A053EA05F5}"/>
               </a:ext>
             </a:extLst>
           </p:cNvPr>
@@ -856,7 +856,7 @@
           <a:bodyPr/>
           <a:lstStyle/>
           <a:p>
-            <a:fld id="{7AD8BAA4-7A19-4116-A047-132DD50AE6E6}" type="datetimeFigureOut">
+            <a:fld id="{F989F98E-760C-4120-8B4B-AD149112668F}" type="datetimeFigureOut">
               <a:rPr lang="zh-CN" altLang="en-US" smtClean="0"/>
               <a:t>2024/3/10</a:t>
             </a:fld>
@@ -869,7 +869,7 @@
           <p:cNvPr id="5" name="页脚占位符 4">
             <a:extLst>
               <a:ext uri="{FF2B5EF4-FFF2-40B4-BE49-F238E27FC236}">
-                <a16:creationId xmlns:a16="http://schemas.microsoft.com/office/drawing/2014/main" id="{9792316C-9DD4-65A0-FFF3-D742D9C69D50}"/>
+                <a16:creationId xmlns:a16="http://schemas.microsoft.com/office/drawing/2014/main" id="{DC0F7E6D-244B-C63E-FC36-7A9D193A8880}"/>
               </a:ext>
             </a:extLst>
           </p:cNvPr>
@@ -894,7 +894,7 @@
           <p:cNvPr id="6" name="灯片编号占位符 5">
             <a:extLst>
               <a:ext uri="{FF2B5EF4-FFF2-40B4-BE49-F238E27FC236}">
-                <a16:creationId xmlns:a16="http://schemas.microsoft.com/office/drawing/2014/main" id="{1AC2C1CB-983B-0E2D-7DA8-5541FABD7B6D}"/>
+                <a16:creationId xmlns:a16="http://schemas.microsoft.com/office/drawing/2014/main" id="{FDA9AEE9-79EC-AFFF-502E-F527A0F3D62C}"/>
               </a:ext>
             </a:extLst>
           </p:cNvPr>
@@ -910,7 +910,7 @@
           <a:bodyPr/>
           <a:lstStyle/>
           <a:p>
-            <a:fld id="{46AA0AAF-93FB-44FB-BF0C-56A9375B594B}" type="slidenum">
+            <a:fld id="{DAE8D371-9A46-49D2-B958-81EDCE2730C4}" type="slidenum">
               <a:rPr lang="zh-CN" altLang="en-US" smtClean="0"/>
               <a:t>‹#›</a:t>
             </a:fld>
@@ -921,7 +921,7 @@
     </p:spTree>
     <p:extLst>
       <p:ext uri="{BB962C8B-B14F-4D97-AF65-F5344CB8AC3E}">
-        <p14:creationId xmlns:p14="http://schemas.microsoft.com/office/powerpoint/2010/main" val="2075660586"/>
+        <p14:creationId xmlns:p14="http://schemas.microsoft.com/office/powerpoint/2010/main" val="387614304"/>
       </p:ext>
     </p:extLst>
   </p:cSld>
@@ -953,7 +953,7 @@
           <p:cNvPr id="2" name="标题 1">
             <a:extLst>
               <a:ext uri="{FF2B5EF4-FFF2-40B4-BE49-F238E27FC236}">
-                <a16:creationId xmlns:a16="http://schemas.microsoft.com/office/drawing/2014/main" id="{4617A240-2FC5-0694-A11E-B00B644C55AF}"/>
+                <a16:creationId xmlns:a16="http://schemas.microsoft.com/office/drawing/2014/main" id="{4A1A6133-C087-7A57-CEE8-1B28EA32D33A}"/>
               </a:ext>
             </a:extLst>
           </p:cNvPr>
@@ -990,7 +990,7 @@
           <p:cNvPr id="3" name="文本占位符 2">
             <a:extLst>
               <a:ext uri="{FF2B5EF4-FFF2-40B4-BE49-F238E27FC236}">
-                <a16:creationId xmlns:a16="http://schemas.microsoft.com/office/drawing/2014/main" id="{BA66343B-B177-0FEF-48DC-5BC28E10A6CB}"/>
+                <a16:creationId xmlns:a16="http://schemas.microsoft.com/office/drawing/2014/main" id="{52191A9E-667F-4A19-1807-E6F930344B7D}"/>
               </a:ext>
             </a:extLst>
           </p:cNvPr>
@@ -1115,7 +1115,7 @@
           <p:cNvPr id="4" name="日期占位符 3">
             <a:extLst>
               <a:ext uri="{FF2B5EF4-FFF2-40B4-BE49-F238E27FC236}">
-                <a16:creationId xmlns:a16="http://schemas.microsoft.com/office/drawing/2014/main" id="{DF886CC4-2937-78F5-0510-3E8DD863E2F8}"/>
+                <a16:creationId xmlns:a16="http://schemas.microsoft.com/office/drawing/2014/main" id="{9428409D-8807-1A2C-0494-65CDB665E72B}"/>
               </a:ext>
             </a:extLst>
           </p:cNvPr>
@@ -1131,7 +1131,7 @@
           <a:bodyPr/>
           <a:lstStyle/>
           <a:p>
-            <a:fld id="{7AD8BAA4-7A19-4116-A047-132DD50AE6E6}" type="datetimeFigureOut">
+            <a:fld id="{F989F98E-760C-4120-8B4B-AD149112668F}" type="datetimeFigureOut">
               <a:rPr lang="zh-CN" altLang="en-US" smtClean="0"/>
               <a:t>2024/3/10</a:t>
             </a:fld>
@@ -1144,7 +1144,7 @@
           <p:cNvPr id="5" name="页脚占位符 4">
             <a:extLst>
               <a:ext uri="{FF2B5EF4-FFF2-40B4-BE49-F238E27FC236}">
-                <a16:creationId xmlns:a16="http://schemas.microsoft.com/office/drawing/2014/main" id="{97D5D5AE-8774-5885-4281-8D377CA690CD}"/>
+                <a16:creationId xmlns:a16="http://schemas.microsoft.com/office/drawing/2014/main" id="{D046D2A9-3E49-D366-5AAA-133056CD76A2}"/>
               </a:ext>
             </a:extLst>
           </p:cNvPr>
@@ -1169,7 +1169,7 @@
           <p:cNvPr id="6" name="灯片编号占位符 5">
             <a:extLst>
               <a:ext uri="{FF2B5EF4-FFF2-40B4-BE49-F238E27FC236}">
-                <a16:creationId xmlns:a16="http://schemas.microsoft.com/office/drawing/2014/main" id="{9CBDF44F-DE6C-3C00-7999-4DF0ED06B5C2}"/>
+                <a16:creationId xmlns:a16="http://schemas.microsoft.com/office/drawing/2014/main" id="{CC3D93B8-E64D-E7A1-A964-195B1729A3A1}"/>
               </a:ext>
             </a:extLst>
           </p:cNvPr>
@@ -1185,7 +1185,7 @@
           <a:bodyPr/>
           <a:lstStyle/>
           <a:p>
-            <a:fld id="{46AA0AAF-93FB-44FB-BF0C-56A9375B594B}" type="slidenum">
+            <a:fld id="{DAE8D371-9A46-49D2-B958-81EDCE2730C4}" type="slidenum">
               <a:rPr lang="zh-CN" altLang="en-US" smtClean="0"/>
               <a:t>‹#›</a:t>
             </a:fld>
@@ -1196,7 +1196,7 @@
     </p:spTree>
     <p:extLst>
       <p:ext uri="{BB962C8B-B14F-4D97-AF65-F5344CB8AC3E}">
-        <p14:creationId xmlns:p14="http://schemas.microsoft.com/office/powerpoint/2010/main" val="1225041349"/>
+        <p14:creationId xmlns:p14="http://schemas.microsoft.com/office/powerpoint/2010/main" val="1495933655"/>
       </p:ext>
     </p:extLst>
   </p:cSld>
@@ -1228,7 +1228,7 @@
           <p:cNvPr id="2" name="标题 1">
             <a:extLst>
               <a:ext uri="{FF2B5EF4-FFF2-40B4-BE49-F238E27FC236}">
-                <a16:creationId xmlns:a16="http://schemas.microsoft.com/office/drawing/2014/main" id="{80155FD3-FBDB-D7F6-1DC5-2A4229C0CAAD}"/>
+                <a16:creationId xmlns:a16="http://schemas.microsoft.com/office/drawing/2014/main" id="{9B4966B2-246E-20EF-E0F6-FC5F30958D4F}"/>
               </a:ext>
             </a:extLst>
           </p:cNvPr>
@@ -1256,7 +1256,7 @@
           <p:cNvPr id="3" name="内容占位符 2">
             <a:extLst>
               <a:ext uri="{FF2B5EF4-FFF2-40B4-BE49-F238E27FC236}">
-                <a16:creationId xmlns:a16="http://schemas.microsoft.com/office/drawing/2014/main" id="{2B92B074-AE66-7912-CBEC-5BABA3F0E432}"/>
+                <a16:creationId xmlns:a16="http://schemas.microsoft.com/office/drawing/2014/main" id="{795882F7-654C-8BB9-822B-221DA5C23D11}"/>
               </a:ext>
             </a:extLst>
           </p:cNvPr>
@@ -1318,7 +1318,7 @@
           <p:cNvPr id="4" name="内容占位符 3">
             <a:extLst>
               <a:ext uri="{FF2B5EF4-FFF2-40B4-BE49-F238E27FC236}">
-                <a16:creationId xmlns:a16="http://schemas.microsoft.com/office/drawing/2014/main" id="{4A1AFAF9-C6BA-BE41-9753-95226E3467BE}"/>
+                <a16:creationId xmlns:a16="http://schemas.microsoft.com/office/drawing/2014/main" id="{57C1ACCE-B713-BB94-743C-2994F82A04ED}"/>
               </a:ext>
             </a:extLst>
           </p:cNvPr>
@@ -1380,7 +1380,7 @@
           <p:cNvPr id="5" name="日期占位符 4">
             <a:extLst>
               <a:ext uri="{FF2B5EF4-FFF2-40B4-BE49-F238E27FC236}">
-                <a16:creationId xmlns:a16="http://schemas.microsoft.com/office/drawing/2014/main" id="{473E454A-E879-5D25-5262-37723E3641C8}"/>
+                <a16:creationId xmlns:a16="http://schemas.microsoft.com/office/drawing/2014/main" id="{DA42F67E-80C3-4D19-73A4-D4FB3D858443}"/>
               </a:ext>
             </a:extLst>
           </p:cNvPr>
@@ -1396,7 +1396,7 @@
           <a:bodyPr/>
           <a:lstStyle/>
           <a:p>
-            <a:fld id="{7AD8BAA4-7A19-4116-A047-132DD50AE6E6}" type="datetimeFigureOut">
+            <a:fld id="{F989F98E-760C-4120-8B4B-AD149112668F}" type="datetimeFigureOut">
               <a:rPr lang="zh-CN" altLang="en-US" smtClean="0"/>
               <a:t>2024/3/10</a:t>
             </a:fld>
@@ -1409,7 +1409,7 @@
           <p:cNvPr id="6" name="页脚占位符 5">
             <a:extLst>
               <a:ext uri="{FF2B5EF4-FFF2-40B4-BE49-F238E27FC236}">
-                <a16:creationId xmlns:a16="http://schemas.microsoft.com/office/drawing/2014/main" id="{8B11D9CF-17D8-6EE6-E2F4-FD872A4EAE7F}"/>
+                <a16:creationId xmlns:a16="http://schemas.microsoft.com/office/drawing/2014/main" id="{259612AA-412F-6576-094D-331651DA8BA0}"/>
               </a:ext>
             </a:extLst>
           </p:cNvPr>
@@ -1434,7 +1434,7 @@
           <p:cNvPr id="7" name="灯片编号占位符 6">
             <a:extLst>
               <a:ext uri="{FF2B5EF4-FFF2-40B4-BE49-F238E27FC236}">
-                <a16:creationId xmlns:a16="http://schemas.microsoft.com/office/drawing/2014/main" id="{E3C073DD-EE21-C8BA-937D-4DE6FC50D078}"/>
+                <a16:creationId xmlns:a16="http://schemas.microsoft.com/office/drawing/2014/main" id="{CEC40C11-53F5-1AB2-FC60-2BF3E2A2EB55}"/>
               </a:ext>
             </a:extLst>
           </p:cNvPr>
@@ -1450,7 +1450,7 @@
           <a:bodyPr/>
           <a:lstStyle/>
           <a:p>
-            <a:fld id="{46AA0AAF-93FB-44FB-BF0C-56A9375B594B}" type="slidenum">
+            <a:fld id="{DAE8D371-9A46-49D2-B958-81EDCE2730C4}" type="slidenum">
               <a:rPr lang="zh-CN" altLang="en-US" smtClean="0"/>
               <a:t>‹#›</a:t>
             </a:fld>
@@ -1461,7 +1461,7 @@
     </p:spTree>
     <p:extLst>
       <p:ext uri="{BB962C8B-B14F-4D97-AF65-F5344CB8AC3E}">
-        <p14:creationId xmlns:p14="http://schemas.microsoft.com/office/powerpoint/2010/main" val="1059917248"/>
+        <p14:creationId xmlns:p14="http://schemas.microsoft.com/office/powerpoint/2010/main" val="584133514"/>
       </p:ext>
     </p:extLst>
   </p:cSld>
@@ -1493,7 +1493,7 @@
           <p:cNvPr id="2" name="标题 1">
             <a:extLst>
               <a:ext uri="{FF2B5EF4-FFF2-40B4-BE49-F238E27FC236}">
-                <a16:creationId xmlns:a16="http://schemas.microsoft.com/office/drawing/2014/main" id="{E43A519F-3947-44DE-3D3D-0FE8215A8DAC}"/>
+                <a16:creationId xmlns:a16="http://schemas.microsoft.com/office/drawing/2014/main" id="{5939919F-C373-D34E-B485-C3CF764A0EAC}"/>
               </a:ext>
             </a:extLst>
           </p:cNvPr>
@@ -1526,7 +1526,7 @@
           <p:cNvPr id="3" name="文本占位符 2">
             <a:extLst>
               <a:ext uri="{FF2B5EF4-FFF2-40B4-BE49-F238E27FC236}">
-                <a16:creationId xmlns:a16="http://schemas.microsoft.com/office/drawing/2014/main" id="{FB50FB82-1D80-6E2B-58DB-5EDE8421A2FD}"/>
+                <a16:creationId xmlns:a16="http://schemas.microsoft.com/office/drawing/2014/main" id="{19956AC6-0B37-6370-17D8-781F2E9128F3}"/>
               </a:ext>
             </a:extLst>
           </p:cNvPr>
@@ -1597,7 +1597,7 @@
           <p:cNvPr id="4" name="内容占位符 3">
             <a:extLst>
               <a:ext uri="{FF2B5EF4-FFF2-40B4-BE49-F238E27FC236}">
-                <a16:creationId xmlns:a16="http://schemas.microsoft.com/office/drawing/2014/main" id="{D72BDC43-7FB4-5480-8BD7-AB10F7355EF6}"/>
+                <a16:creationId xmlns:a16="http://schemas.microsoft.com/office/drawing/2014/main" id="{41C2A62A-1FC2-D748-61C1-744CB1E42B4B}"/>
               </a:ext>
             </a:extLst>
           </p:cNvPr>
@@ -1659,7 +1659,7 @@
           <p:cNvPr id="5" name="文本占位符 4">
             <a:extLst>
               <a:ext uri="{FF2B5EF4-FFF2-40B4-BE49-F238E27FC236}">
-                <a16:creationId xmlns:a16="http://schemas.microsoft.com/office/drawing/2014/main" id="{C409B7A7-DD30-9D81-207D-D4C4ECCB3832}"/>
+                <a16:creationId xmlns:a16="http://schemas.microsoft.com/office/drawing/2014/main" id="{72ABEDFF-8B27-A67D-43FB-5877C1575B2F}"/>
               </a:ext>
             </a:extLst>
           </p:cNvPr>
@@ -1730,7 +1730,7 @@
           <p:cNvPr id="6" name="内容占位符 5">
             <a:extLst>
               <a:ext uri="{FF2B5EF4-FFF2-40B4-BE49-F238E27FC236}">
-                <a16:creationId xmlns:a16="http://schemas.microsoft.com/office/drawing/2014/main" id="{8B6EB5D6-EF03-76CF-80F2-7AB0CB10E038}"/>
+                <a16:creationId xmlns:a16="http://schemas.microsoft.com/office/drawing/2014/main" id="{0457E6F9-A934-350C-87AB-EEA28B616A65}"/>
               </a:ext>
             </a:extLst>
           </p:cNvPr>
@@ -1792,7 +1792,7 @@
           <p:cNvPr id="7" name="日期占位符 6">
             <a:extLst>
               <a:ext uri="{FF2B5EF4-FFF2-40B4-BE49-F238E27FC236}">
-                <a16:creationId xmlns:a16="http://schemas.microsoft.com/office/drawing/2014/main" id="{5FE2B0D9-3C2E-FE63-FA4C-722841E35A4D}"/>
+                <a16:creationId xmlns:a16="http://schemas.microsoft.com/office/drawing/2014/main" id="{09D03E0F-C64E-6486-8704-06A848B2DF98}"/>
               </a:ext>
             </a:extLst>
           </p:cNvPr>
@@ -1808,7 +1808,7 @@
           <a:bodyPr/>
           <a:lstStyle/>
           <a:p>
-            <a:fld id="{7AD8BAA4-7A19-4116-A047-132DD50AE6E6}" type="datetimeFigureOut">
+            <a:fld id="{F989F98E-760C-4120-8B4B-AD149112668F}" type="datetimeFigureOut">
               <a:rPr lang="zh-CN" altLang="en-US" smtClean="0"/>
               <a:t>2024/3/10</a:t>
             </a:fld>
@@ -1821,7 +1821,7 @@
           <p:cNvPr id="8" name="页脚占位符 7">
             <a:extLst>
               <a:ext uri="{FF2B5EF4-FFF2-40B4-BE49-F238E27FC236}">
-                <a16:creationId xmlns:a16="http://schemas.microsoft.com/office/drawing/2014/main" id="{C16E796B-3DFC-4CDD-7B41-DD33F88C68FA}"/>
+                <a16:creationId xmlns:a16="http://schemas.microsoft.com/office/drawing/2014/main" id="{FE102361-C8AE-5FFA-4ACF-DF79E02B4005}"/>
               </a:ext>
             </a:extLst>
           </p:cNvPr>
@@ -1846,7 +1846,7 @@
           <p:cNvPr id="9" name="灯片编号占位符 8">
             <a:extLst>
               <a:ext uri="{FF2B5EF4-FFF2-40B4-BE49-F238E27FC236}">
-                <a16:creationId xmlns:a16="http://schemas.microsoft.com/office/drawing/2014/main" id="{1D5B7CAA-A707-E024-DCEA-585BD517F387}"/>
+                <a16:creationId xmlns:a16="http://schemas.microsoft.com/office/drawing/2014/main" id="{46F8482A-6D76-E21F-499D-D4CCA2CC31C9}"/>
               </a:ext>
             </a:extLst>
           </p:cNvPr>
@@ -1862,7 +1862,7 @@
           <a:bodyPr/>
           <a:lstStyle/>
           <a:p>
-            <a:fld id="{46AA0AAF-93FB-44FB-BF0C-56A9375B594B}" type="slidenum">
+            <a:fld id="{DAE8D371-9A46-49D2-B958-81EDCE2730C4}" type="slidenum">
               <a:rPr lang="zh-CN" altLang="en-US" smtClean="0"/>
               <a:t>‹#›</a:t>
             </a:fld>
@@ -1873,7 +1873,7 @@
     </p:spTree>
     <p:extLst>
       <p:ext uri="{BB962C8B-B14F-4D97-AF65-F5344CB8AC3E}">
-        <p14:creationId xmlns:p14="http://schemas.microsoft.com/office/powerpoint/2010/main" val="25628209"/>
+        <p14:creationId xmlns:p14="http://schemas.microsoft.com/office/powerpoint/2010/main" val="3996831423"/>
       </p:ext>
     </p:extLst>
   </p:cSld>
@@ -1905,7 +1905,7 @@
           <p:cNvPr id="2" name="标题 1">
             <a:extLst>
               <a:ext uri="{FF2B5EF4-FFF2-40B4-BE49-F238E27FC236}">
-                <a16:creationId xmlns:a16="http://schemas.microsoft.com/office/drawing/2014/main" id="{6931B967-8A71-DA9D-6580-10F1E79E76F0}"/>
+                <a16:creationId xmlns:a16="http://schemas.microsoft.com/office/drawing/2014/main" id="{1F32DAF6-E390-1177-F398-55BE5F3B8503}"/>
               </a:ext>
             </a:extLst>
           </p:cNvPr>
@@ -1933,7 +1933,7 @@
           <p:cNvPr id="3" name="日期占位符 2">
             <a:extLst>
               <a:ext uri="{FF2B5EF4-FFF2-40B4-BE49-F238E27FC236}">
-                <a16:creationId xmlns:a16="http://schemas.microsoft.com/office/drawing/2014/main" id="{5FB3BBE3-1FEB-4001-E559-383CF480E716}"/>
+                <a16:creationId xmlns:a16="http://schemas.microsoft.com/office/drawing/2014/main" id="{7AFE809B-33DF-C95E-617A-277C622C79FD}"/>
               </a:ext>
             </a:extLst>
           </p:cNvPr>
@@ -1949,7 +1949,7 @@
           <a:bodyPr/>
           <a:lstStyle/>
           <a:p>
-            <a:fld id="{7AD8BAA4-7A19-4116-A047-132DD50AE6E6}" type="datetimeFigureOut">
+            <a:fld id="{F989F98E-760C-4120-8B4B-AD149112668F}" type="datetimeFigureOut">
               <a:rPr lang="zh-CN" altLang="en-US" smtClean="0"/>
               <a:t>2024/3/10</a:t>
             </a:fld>
@@ -1962,7 +1962,7 @@
           <p:cNvPr id="4" name="页脚占位符 3">
             <a:extLst>
               <a:ext uri="{FF2B5EF4-FFF2-40B4-BE49-F238E27FC236}">
-                <a16:creationId xmlns:a16="http://schemas.microsoft.com/office/drawing/2014/main" id="{68A505A0-1203-DD59-108D-56ABA0ED7276}"/>
+                <a16:creationId xmlns:a16="http://schemas.microsoft.com/office/drawing/2014/main" id="{2D0AD9C5-4672-8C79-256F-D2A79DC3EE5C}"/>
               </a:ext>
             </a:extLst>
           </p:cNvPr>
@@ -1987,7 +1987,7 @@
           <p:cNvPr id="5" name="灯片编号占位符 4">
             <a:extLst>
               <a:ext uri="{FF2B5EF4-FFF2-40B4-BE49-F238E27FC236}">
-                <a16:creationId xmlns:a16="http://schemas.microsoft.com/office/drawing/2014/main" id="{56671061-7F38-50F6-5733-251443E387FE}"/>
+                <a16:creationId xmlns:a16="http://schemas.microsoft.com/office/drawing/2014/main" id="{C21330FF-D54D-058C-2DB9-802BC7524BB6}"/>
               </a:ext>
             </a:extLst>
           </p:cNvPr>
@@ -2003,7 +2003,7 @@
           <a:bodyPr/>
           <a:lstStyle/>
           <a:p>
-            <a:fld id="{46AA0AAF-93FB-44FB-BF0C-56A9375B594B}" type="slidenum">
+            <a:fld id="{DAE8D371-9A46-49D2-B958-81EDCE2730C4}" type="slidenum">
               <a:rPr lang="zh-CN" altLang="en-US" smtClean="0"/>
               <a:t>‹#›</a:t>
             </a:fld>
@@ -2014,7 +2014,7 @@
     </p:spTree>
     <p:extLst>
       <p:ext uri="{BB962C8B-B14F-4D97-AF65-F5344CB8AC3E}">
-        <p14:creationId xmlns:p14="http://schemas.microsoft.com/office/powerpoint/2010/main" val="3883064907"/>
+        <p14:creationId xmlns:p14="http://schemas.microsoft.com/office/powerpoint/2010/main" val="4233282764"/>
       </p:ext>
     </p:extLst>
   </p:cSld>
@@ -2046,7 +2046,7 @@
           <p:cNvPr id="2" name="日期占位符 1">
             <a:extLst>
               <a:ext uri="{FF2B5EF4-FFF2-40B4-BE49-F238E27FC236}">
-                <a16:creationId xmlns:a16="http://schemas.microsoft.com/office/drawing/2014/main" id="{82D71C9C-70F3-0B67-356A-DBF1A6E6844E}"/>
+                <a16:creationId xmlns:a16="http://schemas.microsoft.com/office/drawing/2014/main" id="{F5DB6A7B-C448-7488-BB64-CF373076F3D0}"/>
               </a:ext>
             </a:extLst>
           </p:cNvPr>
@@ -2062,7 +2062,7 @@
           <a:bodyPr/>
           <a:lstStyle/>
           <a:p>
-            <a:fld id="{7AD8BAA4-7A19-4116-A047-132DD50AE6E6}" type="datetimeFigureOut">
+            <a:fld id="{F989F98E-760C-4120-8B4B-AD149112668F}" type="datetimeFigureOut">
               <a:rPr lang="zh-CN" altLang="en-US" smtClean="0"/>
               <a:t>2024/3/10</a:t>
             </a:fld>
@@ -2075,7 +2075,7 @@
           <p:cNvPr id="3" name="页脚占位符 2">
             <a:extLst>
               <a:ext uri="{FF2B5EF4-FFF2-40B4-BE49-F238E27FC236}">
-                <a16:creationId xmlns:a16="http://schemas.microsoft.com/office/drawing/2014/main" id="{39A6CC1E-4019-82E7-EF62-D69601B8A72B}"/>
+                <a16:creationId xmlns:a16="http://schemas.microsoft.com/office/drawing/2014/main" id="{4647392D-0C3D-DA4E-E0B5-D0232188AFFC}"/>
               </a:ext>
             </a:extLst>
           </p:cNvPr>
@@ -2100,7 +2100,7 @@
           <p:cNvPr id="4" name="灯片编号占位符 3">
             <a:extLst>
               <a:ext uri="{FF2B5EF4-FFF2-40B4-BE49-F238E27FC236}">
-                <a16:creationId xmlns:a16="http://schemas.microsoft.com/office/drawing/2014/main" id="{BC27DB0D-3717-D96D-3D8F-D1DA9A1C661E}"/>
+                <a16:creationId xmlns:a16="http://schemas.microsoft.com/office/drawing/2014/main" id="{84BA22F9-AE20-CD02-E6F3-B350844F49BF}"/>
               </a:ext>
             </a:extLst>
           </p:cNvPr>
@@ -2116,7 +2116,7 @@
           <a:bodyPr/>
           <a:lstStyle/>
           <a:p>
-            <a:fld id="{46AA0AAF-93FB-44FB-BF0C-56A9375B594B}" type="slidenum">
+            <a:fld id="{DAE8D371-9A46-49D2-B958-81EDCE2730C4}" type="slidenum">
               <a:rPr lang="zh-CN" altLang="en-US" smtClean="0"/>
               <a:t>‹#›</a:t>
             </a:fld>
@@ -2127,7 +2127,7 @@
     </p:spTree>
     <p:extLst>
       <p:ext uri="{BB962C8B-B14F-4D97-AF65-F5344CB8AC3E}">
-        <p14:creationId xmlns:p14="http://schemas.microsoft.com/office/powerpoint/2010/main" val="1161355208"/>
+        <p14:creationId xmlns:p14="http://schemas.microsoft.com/office/powerpoint/2010/main" val="133323409"/>
       </p:ext>
     </p:extLst>
   </p:cSld>
@@ -2159,7 +2159,7 @@
           <p:cNvPr id="2" name="标题 1">
             <a:extLst>
               <a:ext uri="{FF2B5EF4-FFF2-40B4-BE49-F238E27FC236}">
-                <a16:creationId xmlns:a16="http://schemas.microsoft.com/office/drawing/2014/main" id="{C9D6E1D5-A33C-BFC3-114F-8BE0D08CEB1B}"/>
+                <a16:creationId xmlns:a16="http://schemas.microsoft.com/office/drawing/2014/main" id="{B646B295-D43B-8F82-2FC0-3A3C7CAA1093}"/>
               </a:ext>
             </a:extLst>
           </p:cNvPr>
@@ -2196,7 +2196,7 @@
           <p:cNvPr id="3" name="内容占位符 2">
             <a:extLst>
               <a:ext uri="{FF2B5EF4-FFF2-40B4-BE49-F238E27FC236}">
-                <a16:creationId xmlns:a16="http://schemas.microsoft.com/office/drawing/2014/main" id="{0B502C34-420B-E2A1-FC2B-980C6028453D}"/>
+                <a16:creationId xmlns:a16="http://schemas.microsoft.com/office/drawing/2014/main" id="{02CB91AF-F4D9-6FA1-1595-497727D5F2B3}"/>
               </a:ext>
             </a:extLst>
           </p:cNvPr>
@@ -2286,7 +2286,7 @@
           <p:cNvPr id="4" name="文本占位符 3">
             <a:extLst>
               <a:ext uri="{FF2B5EF4-FFF2-40B4-BE49-F238E27FC236}">
-                <a16:creationId xmlns:a16="http://schemas.microsoft.com/office/drawing/2014/main" id="{42E11B75-87A6-DF45-FE77-84F9A9B0118E}"/>
+                <a16:creationId xmlns:a16="http://schemas.microsoft.com/office/drawing/2014/main" id="{93D8A694-8493-0A08-F1DE-8C9AF7A554BD}"/>
               </a:ext>
             </a:extLst>
           </p:cNvPr>
@@ -2357,7 +2357,7 @@
           <p:cNvPr id="5" name="日期占位符 4">
             <a:extLst>
               <a:ext uri="{FF2B5EF4-FFF2-40B4-BE49-F238E27FC236}">
-                <a16:creationId xmlns:a16="http://schemas.microsoft.com/office/drawing/2014/main" id="{E1688F99-6B72-C9EA-2871-DD7C23A0DC99}"/>
+                <a16:creationId xmlns:a16="http://schemas.microsoft.com/office/drawing/2014/main" id="{883429EC-0062-04AB-48F6-184322EBABD2}"/>
               </a:ext>
             </a:extLst>
           </p:cNvPr>
@@ -2373,7 +2373,7 @@
           <a:bodyPr/>
           <a:lstStyle/>
           <a:p>
-            <a:fld id="{7AD8BAA4-7A19-4116-A047-132DD50AE6E6}" type="datetimeFigureOut">
+            <a:fld id="{F989F98E-760C-4120-8B4B-AD149112668F}" type="datetimeFigureOut">
               <a:rPr lang="zh-CN" altLang="en-US" smtClean="0"/>
               <a:t>2024/3/10</a:t>
             </a:fld>
@@ -2386,7 +2386,7 @@
           <p:cNvPr id="6" name="页脚占位符 5">
             <a:extLst>
               <a:ext uri="{FF2B5EF4-FFF2-40B4-BE49-F238E27FC236}">
-                <a16:creationId xmlns:a16="http://schemas.microsoft.com/office/drawing/2014/main" id="{40D68BF4-17AD-040F-A67F-AE344778B306}"/>
+                <a16:creationId xmlns:a16="http://schemas.microsoft.com/office/drawing/2014/main" id="{3AA6D131-68EF-ED9E-CD72-7A70F1ECB433}"/>
               </a:ext>
             </a:extLst>
           </p:cNvPr>
@@ -2411,7 +2411,7 @@
           <p:cNvPr id="7" name="灯片编号占位符 6">
             <a:extLst>
               <a:ext uri="{FF2B5EF4-FFF2-40B4-BE49-F238E27FC236}">
-                <a16:creationId xmlns:a16="http://schemas.microsoft.com/office/drawing/2014/main" id="{76383FC6-2EDC-1A23-01BD-43A4D23DA097}"/>
+                <a16:creationId xmlns:a16="http://schemas.microsoft.com/office/drawing/2014/main" id="{E68B3B00-1E48-29BC-79C6-52A879B00233}"/>
               </a:ext>
             </a:extLst>
           </p:cNvPr>
@@ -2427,7 +2427,7 @@
           <a:bodyPr/>
           <a:lstStyle/>
           <a:p>
-            <a:fld id="{46AA0AAF-93FB-44FB-BF0C-56A9375B594B}" type="slidenum">
+            <a:fld id="{DAE8D371-9A46-49D2-B958-81EDCE2730C4}" type="slidenum">
               <a:rPr lang="zh-CN" altLang="en-US" smtClean="0"/>
               <a:t>‹#›</a:t>
             </a:fld>
@@ -2438,7 +2438,7 @@
     </p:spTree>
     <p:extLst>
       <p:ext uri="{BB962C8B-B14F-4D97-AF65-F5344CB8AC3E}">
-        <p14:creationId xmlns:p14="http://schemas.microsoft.com/office/powerpoint/2010/main" val="1713067098"/>
+        <p14:creationId xmlns:p14="http://schemas.microsoft.com/office/powerpoint/2010/main" val="2999010545"/>
       </p:ext>
     </p:extLst>
   </p:cSld>
@@ -2470,7 +2470,7 @@
           <p:cNvPr id="2" name="标题 1">
             <a:extLst>
               <a:ext uri="{FF2B5EF4-FFF2-40B4-BE49-F238E27FC236}">
-                <a16:creationId xmlns:a16="http://schemas.microsoft.com/office/drawing/2014/main" id="{B0351D22-92A2-045E-801E-63BA0C29FF79}"/>
+                <a16:creationId xmlns:a16="http://schemas.microsoft.com/office/drawing/2014/main" id="{0F4467F4-CB23-5AB7-9DD4-3080CE9B2D65}"/>
               </a:ext>
             </a:extLst>
           </p:cNvPr>
@@ -2507,7 +2507,7 @@
           <p:cNvPr id="3" name="图片占位符 2">
             <a:extLst>
               <a:ext uri="{FF2B5EF4-FFF2-40B4-BE49-F238E27FC236}">
-                <a16:creationId xmlns:a16="http://schemas.microsoft.com/office/drawing/2014/main" id="{09EECF3B-AC0A-0917-E9F4-6A13210A2196}"/>
+                <a16:creationId xmlns:a16="http://schemas.microsoft.com/office/drawing/2014/main" id="{3322C582-09A7-F14A-A7BF-E547966EF51C}"/>
               </a:ext>
             </a:extLst>
           </p:cNvPr>
@@ -2574,7 +2574,7 @@
           <p:cNvPr id="4" name="文本占位符 3">
             <a:extLst>
               <a:ext uri="{FF2B5EF4-FFF2-40B4-BE49-F238E27FC236}">
-                <a16:creationId xmlns:a16="http://schemas.microsoft.com/office/drawing/2014/main" id="{E68FEE4E-5583-E29E-396E-49E3F302B32F}"/>
+                <a16:creationId xmlns:a16="http://schemas.microsoft.com/office/drawing/2014/main" id="{A026BEE4-8C1D-9107-3FAE-3567A1ECA107}"/>
               </a:ext>
             </a:extLst>
           </p:cNvPr>
@@ -2645,7 +2645,7 @@
           <p:cNvPr id="5" name="日期占位符 4">
             <a:extLst>
               <a:ext uri="{FF2B5EF4-FFF2-40B4-BE49-F238E27FC236}">
-                <a16:creationId xmlns:a16="http://schemas.microsoft.com/office/drawing/2014/main" id="{6F846DCA-9782-BAD8-3AF5-BA16A8F2CCED}"/>
+                <a16:creationId xmlns:a16="http://schemas.microsoft.com/office/drawing/2014/main" id="{7C605C5D-95BD-3DA8-726B-F1BB3A0E5B70}"/>
               </a:ext>
             </a:extLst>
           </p:cNvPr>
@@ -2661,7 +2661,7 @@
           <a:bodyPr/>
           <a:lstStyle/>
           <a:p>
-            <a:fld id="{7AD8BAA4-7A19-4116-A047-132DD50AE6E6}" type="datetimeFigureOut">
+            <a:fld id="{F989F98E-760C-4120-8B4B-AD149112668F}" type="datetimeFigureOut">
               <a:rPr lang="zh-CN" altLang="en-US" smtClean="0"/>
               <a:t>2024/3/10</a:t>
             </a:fld>
@@ -2674,7 +2674,7 @@
           <p:cNvPr id="6" name="页脚占位符 5">
             <a:extLst>
               <a:ext uri="{FF2B5EF4-FFF2-40B4-BE49-F238E27FC236}">
-                <a16:creationId xmlns:a16="http://schemas.microsoft.com/office/drawing/2014/main" id="{D072A01C-1D7A-0C00-815C-0EEB0084DA51}"/>
+                <a16:creationId xmlns:a16="http://schemas.microsoft.com/office/drawing/2014/main" id="{E773A180-FA1A-14FC-B7FD-CB8C70B09BDC}"/>
               </a:ext>
             </a:extLst>
           </p:cNvPr>
@@ -2699,7 +2699,7 @@
           <p:cNvPr id="7" name="灯片编号占位符 6">
             <a:extLst>
               <a:ext uri="{FF2B5EF4-FFF2-40B4-BE49-F238E27FC236}">
-                <a16:creationId xmlns:a16="http://schemas.microsoft.com/office/drawing/2014/main" id="{F6408F15-E280-AC2A-CF2A-D499902AEB71}"/>
+                <a16:creationId xmlns:a16="http://schemas.microsoft.com/office/drawing/2014/main" id="{976CB331-9BC2-8FB4-FC45-1687D98727BD}"/>
               </a:ext>
             </a:extLst>
           </p:cNvPr>
@@ -2715,7 +2715,7 @@
           <a:bodyPr/>
           <a:lstStyle/>
           <a:p>
-            <a:fld id="{46AA0AAF-93FB-44FB-BF0C-56A9375B594B}" type="slidenum">
+            <a:fld id="{DAE8D371-9A46-49D2-B958-81EDCE2730C4}" type="slidenum">
               <a:rPr lang="zh-CN" altLang="en-US" smtClean="0"/>
               <a:t>‹#›</a:t>
             </a:fld>
@@ -2726,7 +2726,7 @@
     </p:spTree>
     <p:extLst>
       <p:ext uri="{BB962C8B-B14F-4D97-AF65-F5344CB8AC3E}">
-        <p14:creationId xmlns:p14="http://schemas.microsoft.com/office/powerpoint/2010/main" val="877405508"/>
+        <p14:creationId xmlns:p14="http://schemas.microsoft.com/office/powerpoint/2010/main" val="3374936451"/>
       </p:ext>
     </p:extLst>
   </p:cSld>
@@ -2763,7 +2763,7 @@
           <p:cNvPr id="2" name="标题占位符 1">
             <a:extLst>
               <a:ext uri="{FF2B5EF4-FFF2-40B4-BE49-F238E27FC236}">
-                <a16:creationId xmlns:a16="http://schemas.microsoft.com/office/drawing/2014/main" id="{1F697BD3-1E68-555E-0457-65C8E97E7FEA}"/>
+                <a16:creationId xmlns:a16="http://schemas.microsoft.com/office/drawing/2014/main" id="{9C805EBC-F563-2A9E-3013-88949F0E1949}"/>
               </a:ext>
             </a:extLst>
           </p:cNvPr>
@@ -2801,7 +2801,7 @@
           <p:cNvPr id="3" name="文本占位符 2">
             <a:extLst>
               <a:ext uri="{FF2B5EF4-FFF2-40B4-BE49-F238E27FC236}">
-                <a16:creationId xmlns:a16="http://schemas.microsoft.com/office/drawing/2014/main" id="{49E924FD-EBA5-A564-BC66-713F9C3EC0CB}"/>
+                <a16:creationId xmlns:a16="http://schemas.microsoft.com/office/drawing/2014/main" id="{4B942791-D456-5052-15F8-DFB5C2F9C4E0}"/>
               </a:ext>
             </a:extLst>
           </p:cNvPr>
@@ -2868,7 +2868,7 @@
           <p:cNvPr id="4" name="日期占位符 3">
             <a:extLst>
               <a:ext uri="{FF2B5EF4-FFF2-40B4-BE49-F238E27FC236}">
-                <a16:creationId xmlns:a16="http://schemas.microsoft.com/office/drawing/2014/main" id="{46C8E5A3-37CF-47EF-182B-97693AB34565}"/>
+                <a16:creationId xmlns:a16="http://schemas.microsoft.com/office/drawing/2014/main" id="{7144A0F5-3016-188A-3080-D95C42C301CC}"/>
               </a:ext>
             </a:extLst>
           </p:cNvPr>
@@ -2902,7 +2902,7 @@
             </a:lvl1pPr>
           </a:lstStyle>
           <a:p>
-            <a:fld id="{7AD8BAA4-7A19-4116-A047-132DD50AE6E6}" type="datetimeFigureOut">
+            <a:fld id="{F989F98E-760C-4120-8B4B-AD149112668F}" type="datetimeFigureOut">
               <a:rPr lang="zh-CN" altLang="en-US" smtClean="0"/>
               <a:t>2024/3/10</a:t>
             </a:fld>
@@ -2915,7 +2915,7 @@
           <p:cNvPr id="5" name="页脚占位符 4">
             <a:extLst>
               <a:ext uri="{FF2B5EF4-FFF2-40B4-BE49-F238E27FC236}">
-                <a16:creationId xmlns:a16="http://schemas.microsoft.com/office/drawing/2014/main" id="{87A43BAD-C207-0079-BE6A-D7DC22B09276}"/>
+                <a16:creationId xmlns:a16="http://schemas.microsoft.com/office/drawing/2014/main" id="{F6F5C16B-4496-3047-6D02-EC7A5076EAB6}"/>
               </a:ext>
             </a:extLst>
           </p:cNvPr>
@@ -2958,7 +2958,7 @@
           <p:cNvPr id="6" name="灯片编号占位符 5">
             <a:extLst>
               <a:ext uri="{FF2B5EF4-FFF2-40B4-BE49-F238E27FC236}">
-                <a16:creationId xmlns:a16="http://schemas.microsoft.com/office/drawing/2014/main" id="{B0EFAC72-EA69-0E98-43B2-1765CE0AE78E}"/>
+                <a16:creationId xmlns:a16="http://schemas.microsoft.com/office/drawing/2014/main" id="{30EBD3FC-A866-C70D-4368-8A1631AEDE57}"/>
               </a:ext>
             </a:extLst>
           </p:cNvPr>
@@ -2992,7 +2992,7 @@
             </a:lvl1pPr>
           </a:lstStyle>
           <a:p>
-            <a:fld id="{46AA0AAF-93FB-44FB-BF0C-56A9375B594B}" type="slidenum">
+            <a:fld id="{DAE8D371-9A46-49D2-B958-81EDCE2730C4}" type="slidenum">
               <a:rPr lang="zh-CN" altLang="en-US" smtClean="0"/>
               <a:t>‹#›</a:t>
             </a:fld>
@@ -3003,7 +3003,7 @@
     </p:spTree>
     <p:extLst>
       <p:ext uri="{BB962C8B-B14F-4D97-AF65-F5344CB8AC3E}">
-        <p14:creationId xmlns:p14="http://schemas.microsoft.com/office/powerpoint/2010/main" val="3830982757"/>
+        <p14:creationId xmlns:p14="http://schemas.microsoft.com/office/powerpoint/2010/main" val="3386575304"/>
       </p:ext>
     </p:extLst>
   </p:cSld>
